--- a/_SLIDES/DEEL1/H6/5b_geavanceerde methoden.pptx
+++ b/_SLIDES/DEEL1/H6/5b_geavanceerde methoden.pptx
@@ -6802,7 +6802,7 @@
           <a:p>
             <a:fld id="{AF27F968-6FE5-48F3-A684-16CD38A0B50E}" type="datetimeFigureOut">
               <a:rPr lang="nl-BE" smtClean="0"/>
-              <a:t>25/11/2019</a:t>
+              <a:t>2/12/2019</a:t>
             </a:fld>
             <a:endParaRPr lang="nl-BE"/>
           </a:p>
@@ -10423,7 +10423,7 @@
           <a:p>
             <a:fld id="{6C40D256-6CFC-44EA-A711-CA030629B231}" type="datetimeFigureOut">
               <a:rPr lang="nl-BE" smtClean="0"/>
-              <a:t>25/11/2019</a:t>
+              <a:t>2/12/2019</a:t>
             </a:fld>
             <a:endParaRPr lang="nl-BE"/>
           </a:p>
@@ -10623,7 +10623,7 @@
           <a:p>
             <a:fld id="{6C40D256-6CFC-44EA-A711-CA030629B231}" type="datetimeFigureOut">
               <a:rPr lang="nl-BE" smtClean="0"/>
-              <a:t>25/11/2019</a:t>
+              <a:t>2/12/2019</a:t>
             </a:fld>
             <a:endParaRPr lang="nl-BE"/>
           </a:p>
@@ -10833,7 +10833,7 @@
           <a:p>
             <a:fld id="{6C40D256-6CFC-44EA-A711-CA030629B231}" type="datetimeFigureOut">
               <a:rPr lang="nl-BE" smtClean="0"/>
-              <a:t>25/11/2019</a:t>
+              <a:t>2/12/2019</a:t>
             </a:fld>
             <a:endParaRPr lang="nl-BE"/>
           </a:p>
@@ -11033,7 +11033,7 @@
           <a:p>
             <a:fld id="{6C40D256-6CFC-44EA-A711-CA030629B231}" type="datetimeFigureOut">
               <a:rPr lang="nl-BE" smtClean="0"/>
-              <a:t>25/11/2019</a:t>
+              <a:t>2/12/2019</a:t>
             </a:fld>
             <a:endParaRPr lang="nl-BE"/>
           </a:p>
@@ -11309,7 +11309,7 @@
           <a:p>
             <a:fld id="{6C40D256-6CFC-44EA-A711-CA030629B231}" type="datetimeFigureOut">
               <a:rPr lang="nl-BE" smtClean="0"/>
-              <a:t>25/11/2019</a:t>
+              <a:t>2/12/2019</a:t>
             </a:fld>
             <a:endParaRPr lang="nl-BE"/>
           </a:p>
@@ -11577,7 +11577,7 @@
           <a:p>
             <a:fld id="{6C40D256-6CFC-44EA-A711-CA030629B231}" type="datetimeFigureOut">
               <a:rPr lang="nl-BE" smtClean="0"/>
-              <a:t>25/11/2019</a:t>
+              <a:t>2/12/2019</a:t>
             </a:fld>
             <a:endParaRPr lang="nl-BE"/>
           </a:p>
@@ -11992,7 +11992,7 @@
           <a:p>
             <a:fld id="{6C40D256-6CFC-44EA-A711-CA030629B231}" type="datetimeFigureOut">
               <a:rPr lang="nl-BE" smtClean="0"/>
-              <a:t>25/11/2019</a:t>
+              <a:t>2/12/2019</a:t>
             </a:fld>
             <a:endParaRPr lang="nl-BE"/>
           </a:p>
@@ -12134,7 +12134,7 @@
           <a:p>
             <a:fld id="{6C40D256-6CFC-44EA-A711-CA030629B231}" type="datetimeFigureOut">
               <a:rPr lang="nl-BE" smtClean="0"/>
-              <a:t>25/11/2019</a:t>
+              <a:t>2/12/2019</a:t>
             </a:fld>
             <a:endParaRPr lang="nl-BE"/>
           </a:p>
@@ -12247,7 +12247,7 @@
           <a:p>
             <a:fld id="{6C40D256-6CFC-44EA-A711-CA030629B231}" type="datetimeFigureOut">
               <a:rPr lang="nl-BE" smtClean="0"/>
-              <a:t>25/11/2019</a:t>
+              <a:t>2/12/2019</a:t>
             </a:fld>
             <a:endParaRPr lang="nl-BE"/>
           </a:p>
@@ -12560,7 +12560,7 @@
           <a:p>
             <a:fld id="{6C40D256-6CFC-44EA-A711-CA030629B231}" type="datetimeFigureOut">
               <a:rPr lang="nl-BE" smtClean="0"/>
-              <a:t>25/11/2019</a:t>
+              <a:t>2/12/2019</a:t>
             </a:fld>
             <a:endParaRPr lang="nl-BE"/>
           </a:p>
@@ -12849,7 +12849,7 @@
           <a:p>
             <a:fld id="{6C40D256-6CFC-44EA-A711-CA030629B231}" type="datetimeFigureOut">
               <a:rPr lang="nl-BE" smtClean="0"/>
-              <a:t>25/11/2019</a:t>
+              <a:t>2/12/2019</a:t>
             </a:fld>
             <a:endParaRPr lang="nl-BE"/>
           </a:p>
@@ -13092,7 +13092,7 @@
           <a:p>
             <a:fld id="{6C40D256-6CFC-44EA-A711-CA030629B231}" type="datetimeFigureOut">
               <a:rPr lang="nl-BE" smtClean="0"/>
-              <a:t>25/11/2019</a:t>
+              <a:t>2/12/2019</a:t>
             </a:fld>
             <a:endParaRPr lang="nl-BE"/>
           </a:p>
@@ -24062,70 +24062,6 @@
           </a:extLst>
         </p:spPr>
       </p:pic>
-      <p:pic>
-        <p:nvPicPr>
-          <p:cNvPr id="7" name="Picture 2"/>
-          <p:cNvPicPr>
-            <a:picLocks noChangeAspect="1" noChangeArrowheads="1"/>
-          </p:cNvPicPr>
-          <p:nvPr/>
-        </p:nvPicPr>
-        <p:blipFill>
-          <a:blip r:embed="rId4">
-            <a:extLst>
-              <a:ext uri="{28A0092B-C50C-407E-A947-70E740481C1C}">
-                <a14:useLocalDpi xmlns:a14="http://schemas.microsoft.com/office/drawing/2010/main" val="0"/>
-              </a:ext>
-            </a:extLst>
-          </a:blip>
-          <a:srcRect/>
-          <a:stretch>
-            <a:fillRect/>
-          </a:stretch>
-        </p:blipFill>
-        <p:spPr bwMode="auto">
-          <a:xfrm>
-            <a:off x="2438401" y="1361455"/>
-            <a:ext cx="6581775" cy="219075"/>
-          </a:xfrm>
-          <a:prstGeom prst="rect">
-            <a:avLst/>
-          </a:prstGeom>
-          <a:noFill/>
-          <a:ln>
-            <a:noFill/>
-          </a:ln>
-          <a:effectLst/>
-          <a:extLst>
-            <a:ext uri="{909E8E84-426E-40DD-AFC4-6F175D3DCCD1}">
-              <a14:hiddenFill xmlns:a14="http://schemas.microsoft.com/office/drawing/2010/main">
-                <a:solidFill>
-                  <a:schemeClr val="accent1"/>
-                </a:solidFill>
-              </a14:hiddenFill>
-            </a:ext>
-            <a:ext uri="{91240B29-F687-4F45-9708-019B960494DF}">
-              <a14:hiddenLine xmlns:a14="http://schemas.microsoft.com/office/drawing/2010/main" w="9525">
-                <a:solidFill>
-                  <a:schemeClr val="tx1"/>
-                </a:solidFill>
-                <a:miter lim="800000"/>
-                <a:headEnd/>
-                <a:tailEnd/>
-              </a14:hiddenLine>
-            </a:ext>
-            <a:ext uri="{AF507438-7753-43E0-B8FC-AC1667EBCBE1}">
-              <a14:hiddenEffects xmlns:a14="http://schemas.microsoft.com/office/drawing/2010/main">
-                <a:effectLst>
-                  <a:outerShdw dist="35921" dir="2700000" algn="ctr" rotWithShape="0">
-                    <a:schemeClr val="bg2"/>
-                  </a:outerShdw>
-                </a:effectLst>
-              </a14:hiddenEffects>
-            </a:ext>
-          </a:extLst>
-        </p:spPr>
-      </p:pic>
     </p:spTree>
     <p:extLst>
       <p:ext uri="{BB962C8B-B14F-4D97-AF65-F5344CB8AC3E}">
@@ -27622,12 +27558,12 @@
               <a:t> &amp; </a:t>
             </a:r>
             <a:r>
-              <a:rPr lang="en-US" b="1" dirty="0" err="1">
+              <a:rPr lang="en-US" b="1">
                 <a:solidFill>
                   <a:schemeClr val="bg2"/>
                 </a:solidFill>
               </a:rPr>
-              <a:t>returntime</a:t>
+              <a:t>returntype</a:t>
             </a:r>
             <a:r>
               <a:rPr lang="en-US" b="1" dirty="0">
